--- a/progweb/css.pptx
+++ b/progweb/css.pptx
@@ -7,19 +7,20 @@
     <p:sldMasterId id="2147483894" r:id="rId3"/>
   </p:sldMasterIdLst>
   <p:notesMasterIdLst>
-    <p:notesMasterId r:id="rId14"/>
+    <p:notesMasterId r:id="rId15"/>
   </p:notesMasterIdLst>
   <p:sldIdLst>
     <p:sldId id="256" r:id="rId4"/>
-    <p:sldId id="281" r:id="rId5"/>
-    <p:sldId id="284" r:id="rId6"/>
+    <p:sldId id="284" r:id="rId5"/>
+    <p:sldId id="281" r:id="rId6"/>
     <p:sldId id="274" r:id="rId7"/>
-    <p:sldId id="263" r:id="rId8"/>
-    <p:sldId id="264" r:id="rId9"/>
-    <p:sldId id="265" r:id="rId10"/>
-    <p:sldId id="266" r:id="rId11"/>
-    <p:sldId id="282" r:id="rId12"/>
-    <p:sldId id="283" r:id="rId13"/>
+    <p:sldId id="285" r:id="rId8"/>
+    <p:sldId id="263" r:id="rId9"/>
+    <p:sldId id="264" r:id="rId10"/>
+    <p:sldId id="265" r:id="rId11"/>
+    <p:sldId id="266" r:id="rId12"/>
+    <p:sldId id="282" r:id="rId13"/>
+    <p:sldId id="283" r:id="rId14"/>
   </p:sldIdLst>
   <p:sldSz cx="12192000" cy="6858000"/>
   <p:notesSz cx="6858000" cy="9144000"/>
@@ -140,7 +141,7 @@
 <file path=ppt/revisionInfo.xml><?xml version="1.0" encoding="utf-8"?>
 <p1510:revInfo xmlns:a="http://schemas.openxmlformats.org/drawingml/2006/main" xmlns:r="http://schemas.openxmlformats.org/officeDocument/2006/relationships" xmlns:p1510="http://schemas.microsoft.com/office/powerpoint/2015/10/main">
   <p1510:revLst>
-    <p1510:client id="{80A54BFC-CF95-4765-8E0E-2E8E390A27B7}" v="24" dt="2020-03-11T07:10:03.013"/>
+    <p1510:client id="{80A54BFC-CF95-4765-8E0E-2E8E390A27B7}" v="25" dt="2020-03-12T02:09:13.199"/>
   </p1510:revLst>
 </p1510:revInfo>
 </file>
@@ -149,8 +150,8 @@
 <pc:chgInfo xmlns:a="http://schemas.openxmlformats.org/drawingml/2006/main" xmlns:r="http://schemas.openxmlformats.org/officeDocument/2006/relationships" xmlns:ac="http://schemas.microsoft.com/office/drawing/2013/main/command" xmlns:pc="http://schemas.microsoft.com/office/powerpoint/2013/main/command">
   <pc:docChgLst>
     <pc:chgData name="Raimundo Martins de Araújo Júnior" userId="180fedcc38085644" providerId="LiveId" clId="{80A54BFC-CF95-4765-8E0E-2E8E390A27B7}"/>
-    <pc:docChg chg="undo custSel addSld delSld modSld">
-      <pc:chgData name="Raimundo Martins de Araújo Júnior" userId="180fedcc38085644" providerId="LiveId" clId="{80A54BFC-CF95-4765-8E0E-2E8E390A27B7}" dt="2020-03-11T07:27:17.257" v="250" actId="47"/>
+    <pc:docChg chg="undo custSel addSld delSld modSld sldOrd">
+      <pc:chgData name="Raimundo Martins de Araújo Júnior" userId="180fedcc38085644" providerId="LiveId" clId="{80A54BFC-CF95-4765-8E0E-2E8E390A27B7}" dt="2020-03-12T02:10:23.685" v="357"/>
       <pc:docMkLst>
         <pc:docMk/>
       </pc:docMkLst>
@@ -354,8 +355,8 @@
           </ac:spMkLst>
         </pc:spChg>
       </pc:sldChg>
-      <pc:sldChg chg="addSp delSp modSp add">
-        <pc:chgData name="Raimundo Martins de Araújo Júnior" userId="180fedcc38085644" providerId="LiveId" clId="{80A54BFC-CF95-4765-8E0E-2E8E390A27B7}" dt="2020-03-11T06:54:21.580" v="210" actId="1076"/>
+      <pc:sldChg chg="addSp delSp modSp add ord">
+        <pc:chgData name="Raimundo Martins de Araújo Júnior" userId="180fedcc38085644" providerId="LiveId" clId="{80A54BFC-CF95-4765-8E0E-2E8E390A27B7}" dt="2020-03-12T02:09:06.717" v="252"/>
         <pc:sldMkLst>
           <pc:docMk/>
           <pc:sldMk cId="235609360" sldId="284"/>
@@ -376,6 +377,21 @@
             <ac:picMk id="4" creationId="{5E704214-2182-4722-AEB6-9C6C64BA1A53}"/>
           </ac:picMkLst>
         </pc:picChg>
+      </pc:sldChg>
+      <pc:sldChg chg="modSp add ord">
+        <pc:chgData name="Raimundo Martins de Araújo Júnior" userId="180fedcc38085644" providerId="LiveId" clId="{80A54BFC-CF95-4765-8E0E-2E8E390A27B7}" dt="2020-03-12T02:10:23.685" v="357"/>
+        <pc:sldMkLst>
+          <pc:docMk/>
+          <pc:sldMk cId="825892054" sldId="285"/>
+        </pc:sldMkLst>
+        <pc:spChg chg="mod">
+          <ac:chgData name="Raimundo Martins de Araújo Júnior" userId="180fedcc38085644" providerId="LiveId" clId="{80A54BFC-CF95-4765-8E0E-2E8E390A27B7}" dt="2020-03-12T02:10:07.507" v="355" actId="20577"/>
+          <ac:spMkLst>
+            <pc:docMk/>
+            <pc:sldMk cId="825892054" sldId="285"/>
+            <ac:spMk id="3" creationId="{00000000-0000-0000-0000-000000000000}"/>
+          </ac:spMkLst>
+        </pc:spChg>
       </pc:sldChg>
     </pc:docChg>
   </pc:docChgLst>
@@ -796,7 +812,7 @@
           <a:p>
             <a:fld id="{6B97F35F-4709-492B-BC12-A30B2CFA923B}" type="slidenum">
               <a:rPr lang="pt-BR" smtClean="0"/>
-              <a:t>7</a:t>
+              <a:t>8</a:t>
             </a:fld>
             <a:endParaRPr lang="pt-BR"/>
           </a:p>
@@ -14549,7 +14565,7 @@
         </p:spPr>
         <p:txBody>
           <a:bodyPr>
-            <a:normAutofit fontScale="70000" lnSpcReduction="20000"/>
+            <a:normAutofit fontScale="92500" lnSpcReduction="20000"/>
           </a:bodyPr>
           <a:lstStyle/>
           <a:p>
@@ -14559,11 +14575,27 @@
             </a:pPr>
             <a:r>
               <a:rPr lang="pt-BR" sz="3600" b="1" dirty="0"/>
-              <a:t>Transições: </a:t>
+              <a:t>Transições e animações: </a:t>
             </a:r>
             <a:r>
               <a:rPr lang="pt-BR" sz="3600" dirty="0"/>
-              <a:t>O resultado esperado é que ao passar o mouse no link a cor do texto seja modificada, mudando do branco para o preto e que a cor de background mude de cinza para vermelho. O código abaixo faz exatamente isso:</a:t>
+              <a:t>A propriedade </a:t>
+            </a:r>
+            <a:r>
+              <a:rPr lang="pt-BR" sz="3600" dirty="0" err="1"/>
+              <a:t>transition</a:t>
+            </a:r>
+            <a:r>
+              <a:rPr lang="pt-BR" sz="3600" dirty="0"/>
+              <a:t> é praticamente </a:t>
+            </a:r>
+            <a:r>
+              <a:rPr lang="pt-BR" sz="3600" dirty="0" err="1"/>
+              <a:t>auto-explicativa</a:t>
+            </a:r>
+            <a:r>
+              <a:rPr lang="pt-BR" sz="3600" dirty="0"/>
+              <a:t>. Sua sintaxe tão simples que talvez até dispense explicações mais elaboradas. Vamos começar com o código abaixo:</a:t>
             </a:r>
           </a:p>
           <a:p>
@@ -14576,84 +14608,97 @@
             </a:r>
           </a:p>
           <a:p>
-            <a:endParaRPr lang="pt-BR" dirty="0"/>
-          </a:p>
-          <a:p>
-            <a:pPr marL="3543300" lvl="8" indent="0">
+            <a:pPr marL="2628900" lvl="6" indent="0">
               <a:buNone/>
             </a:pPr>
             <a:r>
-              <a:rPr lang="pt-BR" sz="4600" dirty="0"/>
-              <a:t>a:hover { </a:t>
-            </a:r>
-          </a:p>
-          <a:p>
-            <a:pPr marL="3543300" lvl="8" indent="0">
+              <a:rPr lang="pt-BR" sz="3900" dirty="0"/>
+              <a:t>a { </a:t>
+            </a:r>
+          </a:p>
+          <a:p>
+            <a:pPr marL="2628900" lvl="6" indent="0">
               <a:buNone/>
             </a:pPr>
             <a:r>
-              <a:rPr lang="pt-BR" sz="4600" dirty="0"/>
+              <a:rPr lang="pt-BR" sz="3900" dirty="0"/>
               <a:t>color: </a:t>
             </a:r>
             <a:r>
-              <a:rPr lang="pt-BR" sz="4600" dirty="0" err="1"/>
-              <a:t>black</a:t>
-            </a:r>
-            <a:r>
-              <a:rPr lang="pt-BR" sz="4600" dirty="0"/>
+              <a:rPr lang="pt-BR" sz="3900" dirty="0" err="1"/>
+              <a:t>white</a:t>
+            </a:r>
+            <a:r>
+              <a:rPr lang="pt-BR" sz="3900" dirty="0"/>
               <a:t>; </a:t>
             </a:r>
           </a:p>
           <a:p>
-            <a:pPr marL="3543300" lvl="8" indent="0">
+            <a:pPr marL="2628900" lvl="6" indent="0">
               <a:buNone/>
             </a:pPr>
             <a:r>
-              <a:rPr lang="pt-BR" sz="4600" dirty="0"/>
+              <a:rPr lang="pt-BR" sz="3900" dirty="0"/>
               <a:t>background: </a:t>
             </a:r>
             <a:r>
-              <a:rPr lang="pt-BR" sz="4600" dirty="0" err="1"/>
-              <a:t>red</a:t>
-            </a:r>
-            <a:r>
-              <a:rPr lang="pt-BR" sz="4600" dirty="0"/>
+              <a:rPr lang="pt-BR" sz="3900" dirty="0" err="1"/>
+              <a:t>gray</a:t>
+            </a:r>
+            <a:r>
+              <a:rPr lang="pt-BR" sz="3900" dirty="0"/>
               <a:t>;</a:t>
             </a:r>
           </a:p>
           <a:p>
-            <a:pPr marL="3543300" lvl="8" indent="0">
+            <a:pPr marL="2628900" lvl="6" indent="0">
               <a:buNone/>
             </a:pPr>
             <a:r>
-              <a:rPr lang="pt-BR" sz="4600" dirty="0"/>
-              <a:t>-</a:t>
-            </a:r>
-            <a:r>
-              <a:rPr lang="pt-BR" sz="4600" dirty="0" err="1"/>
-              <a:t>webkit-transition</a:t>
-            </a:r>
-            <a:r>
-              <a:rPr lang="pt-BR" sz="4600" dirty="0"/>
-              <a:t>: 0.5s;</a:t>
-            </a:r>
-          </a:p>
-          <a:p>
-            <a:pPr marL="3543300" lvl="8" indent="0">
-              <a:buNone/>
-            </a:pPr>
-            <a:r>
-              <a:rPr lang="pt-BR" sz="4600" dirty="0"/>
+              <a:rPr lang="pt-BR" sz="3900" dirty="0"/>
               <a:t>}</a:t>
             </a:r>
-            <a:endParaRPr lang="pt-BR" sz="155000" dirty="0"/>
+          </a:p>
+        </p:txBody>
+      </p:sp>
+      <p:sp>
+        <p:nvSpPr>
+          <p:cNvPr id="4" name="Retângulo 3">
+            <a:extLst>
+              <a:ext uri="{FF2B5EF4-FFF2-40B4-BE49-F238E27FC236}">
+                <a16:creationId xmlns:a16="http://schemas.microsoft.com/office/drawing/2014/main" id="{29DA77B2-CDA8-4295-8D0B-94BE3B7BD920}"/>
+              </a:ext>
+            </a:extLst>
+          </p:cNvPr>
+          <p:cNvSpPr/>
+          <p:nvPr/>
+        </p:nvSpPr>
+        <p:spPr>
+          <a:xfrm>
+            <a:off x="1121664" y="5808810"/>
+            <a:ext cx="10783466" cy="954107"/>
+          </a:xfrm>
+          <a:prstGeom prst="rect">
+            <a:avLst/>
+          </a:prstGeom>
+        </p:spPr>
+        <p:txBody>
+          <a:bodyPr wrap="square">
+            <a:spAutoFit/>
+          </a:bodyPr>
+          <a:lstStyle/>
+          <a:p>
+            <a:r>
+              <a:rPr lang="pt-BR" sz="2800" dirty="0"/>
+              <a:t>No código definimos que o link terá sua cor de texto igual a preta e seu background será cinza</a:t>
+            </a:r>
           </a:p>
         </p:txBody>
       </p:sp>
     </p:spTree>
     <p:extLst>
       <p:ext uri="{BB962C8B-B14F-4D97-AF65-F5344CB8AC3E}">
-        <p14:creationId xmlns:p14="http://schemas.microsoft.com/office/powerpoint/2010/main" val="85449786"/>
+        <p14:creationId xmlns:p14="http://schemas.microsoft.com/office/powerpoint/2010/main" val="1476547861"/>
       </p:ext>
     </p:extLst>
   </p:cSld>
@@ -14663,7 +14708,7 @@
 </p:sld>
 </file>
 
-<file path=ppt/slides/slide2.xml><?xml version="1.0" encoding="utf-8"?>
+<file path=ppt/slides/slide11.xml><?xml version="1.0" encoding="utf-8"?>
 <p:sld xmlns:a="http://schemas.openxmlformats.org/drawingml/2006/main" xmlns:r="http://schemas.openxmlformats.org/officeDocument/2006/relationships" xmlns:p="http://schemas.openxmlformats.org/presentationml/2006/main">
   <p:cSld>
     <p:spTree>
@@ -14682,7 +14727,7 @@
       </p:grpSpPr>
       <p:sp>
         <p:nvSpPr>
-          <p:cNvPr id="6" name="Título 1"/>
+          <p:cNvPr id="2" name="Título 1"/>
           <p:cNvSpPr>
             <a:spLocks noGrp="1"/>
           </p:cNvSpPr>
@@ -14725,102 +14770,111 @@
         </p:spPr>
         <p:txBody>
           <a:bodyPr>
-            <a:normAutofit/>
+            <a:normAutofit fontScale="70000" lnSpcReduction="20000"/>
           </a:bodyPr>
           <a:lstStyle/>
           <a:p>
-            <a:pPr lvl="1" algn="just">
+            <a:pPr algn="just">
               <a:buFont typeface="Wingdings" panose="05000000000000000000" pitchFamily="2" charset="2"/>
               <a:buChar char="§"/>
             </a:pPr>
             <a:r>
-              <a:rPr lang="pt-BR" sz="2800" dirty="0"/>
-              <a:t>Responsável por definir estilos em páginas HTML</a:t>
-            </a:r>
-          </a:p>
-          <a:p>
-            <a:pPr lvl="1" algn="just">
-              <a:buFont typeface="Wingdings" panose="05000000000000000000" pitchFamily="2" charset="2"/>
-              <a:buChar char="§"/>
+              <a:rPr lang="pt-BR" sz="3600" b="1" dirty="0"/>
+              <a:t>Transições: </a:t>
+            </a:r>
+            <a:r>
+              <a:rPr lang="pt-BR" sz="3600" dirty="0"/>
+              <a:t>O resultado esperado é que ao passar o mouse no link a cor do texto seja modificada, mudando do branco para o preto e que a cor de background mude de cinza para vermelho. O código abaixo faz exatamente isso:</a:t>
+            </a:r>
+          </a:p>
+          <a:p>
+            <a:pPr marL="0" indent="0" algn="just">
+              <a:buNone/>
             </a:pPr>
             <a:r>
-              <a:rPr lang="pt-BR" sz="2800" dirty="0"/>
-              <a:t>Alterações de estilo são feitas sem alteração do código</a:t>
-            </a:r>
-          </a:p>
-          <a:p>
-            <a:pPr lvl="1" algn="just">
-              <a:buFont typeface="Wingdings" panose="05000000000000000000" pitchFamily="2" charset="2"/>
-              <a:buChar char="§"/>
+              <a:rPr lang="pt-BR" sz="3600" dirty="0"/>
+              <a:t>Ex.: </a:t>
+            </a:r>
+          </a:p>
+          <a:p>
+            <a:endParaRPr lang="pt-BR" dirty="0"/>
+          </a:p>
+          <a:p>
+            <a:pPr marL="3543300" lvl="8" indent="0">
+              <a:buNone/>
             </a:pPr>
             <a:r>
-              <a:rPr lang="pt-BR" sz="2800" dirty="0"/>
-              <a:t>A combinação de HTML (estrutura) e CSS (layout) representa o </a:t>
-            </a:r>
-            <a:r>
-              <a:rPr lang="pt-BR" sz="2800" i="1" dirty="0"/>
-              <a:t>Estado da arte </a:t>
-            </a:r>
-            <a:r>
-              <a:rPr lang="pt-BR" sz="2800" dirty="0"/>
-              <a:t>do </a:t>
-            </a:r>
-            <a:r>
-              <a:rPr lang="pt-BR" sz="2800" dirty="0" err="1"/>
-              <a:t>WebDesign</a:t>
-            </a:r>
-            <a:endParaRPr lang="pt-BR" sz="2800" dirty="0"/>
-          </a:p>
-          <a:p>
-            <a:pPr lvl="1" algn="just">
-              <a:buFont typeface="Wingdings" panose="05000000000000000000" pitchFamily="2" charset="2"/>
-              <a:buChar char="§"/>
+              <a:rPr lang="pt-BR" sz="4600" dirty="0"/>
+              <a:t>a:hover { </a:t>
+            </a:r>
+          </a:p>
+          <a:p>
+            <a:pPr marL="3543300" lvl="8" indent="0">
+              <a:buNone/>
             </a:pPr>
             <a:r>
-              <a:rPr lang="pt-BR" sz="2800" dirty="0"/>
-              <a:t>Aplicações em texto, imagens, vídeos, ou qualquer outro elemento</a:t>
-            </a:r>
-          </a:p>
-          <a:p>
-            <a:pPr lvl="1" algn="just">
-              <a:buFont typeface="Wingdings" panose="05000000000000000000" pitchFamily="2" charset="2"/>
-              <a:buChar char="§"/>
+              <a:rPr lang="pt-BR" sz="4600" dirty="0"/>
+              <a:t>color: </a:t>
+            </a:r>
+            <a:r>
+              <a:rPr lang="pt-BR" sz="4600" dirty="0" err="1"/>
+              <a:t>black</a:t>
+            </a:r>
+            <a:r>
+              <a:rPr lang="pt-BR" sz="4600" dirty="0"/>
+              <a:t>; </a:t>
+            </a:r>
+          </a:p>
+          <a:p>
+            <a:pPr marL="3543300" lvl="8" indent="0">
+              <a:buNone/>
             </a:pPr>
             <a:r>
-              <a:rPr lang="pt-BR" sz="2800" dirty="0"/>
-              <a:t>Formata algumas características básicas: cores, background, características de </a:t>
-            </a:r>
-            <a:r>
-              <a:rPr lang="pt-BR" sz="2800" dirty="0" err="1"/>
-              <a:t>font</a:t>
-            </a:r>
-            <a:r>
-              <a:rPr lang="pt-BR" sz="2800" dirty="0"/>
-              <a:t>, </a:t>
-            </a:r>
-            <a:r>
-              <a:rPr lang="pt-BR" sz="2800" dirty="0" err="1"/>
-              <a:t>margins</a:t>
-            </a:r>
-            <a:r>
-              <a:rPr lang="pt-BR" sz="2800" dirty="0"/>
-              <a:t>, </a:t>
-            </a:r>
-            <a:r>
-              <a:rPr lang="pt-BR" sz="2800" dirty="0" err="1"/>
-              <a:t>paddings</a:t>
-            </a:r>
-            <a:r>
-              <a:rPr lang="pt-BR" sz="2800" dirty="0"/>
-              <a:t>, posição </a:t>
-            </a:r>
+              <a:rPr lang="pt-BR" sz="4600" dirty="0"/>
+              <a:t>background: </a:t>
+            </a:r>
+            <a:r>
+              <a:rPr lang="pt-BR" sz="4600" dirty="0" err="1"/>
+              <a:t>red</a:t>
+            </a:r>
+            <a:r>
+              <a:rPr lang="pt-BR" sz="4600" dirty="0"/>
+              <a:t>;</a:t>
+            </a:r>
+          </a:p>
+          <a:p>
+            <a:pPr marL="3543300" lvl="8" indent="0">
+              <a:buNone/>
+            </a:pPr>
+            <a:r>
+              <a:rPr lang="pt-BR" sz="4600" dirty="0"/>
+              <a:t>-</a:t>
+            </a:r>
+            <a:r>
+              <a:rPr lang="pt-BR" sz="4600" dirty="0" err="1"/>
+              <a:t>webkit-transition</a:t>
+            </a:r>
+            <a:r>
+              <a:rPr lang="pt-BR" sz="4600" dirty="0"/>
+              <a:t>: 0.5s;</a:t>
+            </a:r>
+          </a:p>
+          <a:p>
+            <a:pPr marL="3543300" lvl="8" indent="0">
+              <a:buNone/>
+            </a:pPr>
+            <a:r>
+              <a:rPr lang="pt-BR" sz="4600" dirty="0"/>
+              <a:t>}</a:t>
+            </a:r>
+            <a:endParaRPr lang="pt-BR" sz="155000" dirty="0"/>
           </a:p>
         </p:txBody>
       </p:sp>
     </p:spTree>
     <p:extLst>
       <p:ext uri="{BB962C8B-B14F-4D97-AF65-F5344CB8AC3E}">
-        <p14:creationId xmlns:p14="http://schemas.microsoft.com/office/powerpoint/2010/main" val="1971746471"/>
+        <p14:creationId xmlns:p14="http://schemas.microsoft.com/office/powerpoint/2010/main" val="85449786"/>
       </p:ext>
     </p:extLst>
   </p:cSld>
@@ -14830,7 +14884,7 @@
 </p:sld>
 </file>
 
-<file path=ppt/slides/slide3.xml><?xml version="1.0" encoding="utf-8"?>
+<file path=ppt/slides/slide2.xml><?xml version="1.0" encoding="utf-8"?>
 <p:sld xmlns:a="http://schemas.openxmlformats.org/drawingml/2006/main" xmlns:r="http://schemas.openxmlformats.org/officeDocument/2006/relationships" xmlns:p="http://schemas.openxmlformats.org/presentationml/2006/main">
   <p:cSld>
     <p:spTree>
@@ -14922,6 +14976,173 @@
 </p:sld>
 </file>
 
+<file path=ppt/slides/slide3.xml><?xml version="1.0" encoding="utf-8"?>
+<p:sld xmlns:a="http://schemas.openxmlformats.org/drawingml/2006/main" xmlns:r="http://schemas.openxmlformats.org/officeDocument/2006/relationships" xmlns:p="http://schemas.openxmlformats.org/presentationml/2006/main">
+  <p:cSld>
+    <p:spTree>
+      <p:nvGrpSpPr>
+        <p:cNvPr id="1" name=""/>
+        <p:cNvGrpSpPr/>
+        <p:nvPr/>
+      </p:nvGrpSpPr>
+      <p:grpSpPr>
+        <a:xfrm>
+          <a:off x="0" y="0"/>
+          <a:ext cx="0" cy="0"/>
+          <a:chOff x="0" y="0"/>
+          <a:chExt cx="0" cy="0"/>
+        </a:xfrm>
+      </p:grpSpPr>
+      <p:sp>
+        <p:nvSpPr>
+          <p:cNvPr id="6" name="Título 1"/>
+          <p:cNvSpPr>
+            <a:spLocks noGrp="1"/>
+          </p:cNvSpPr>
+          <p:nvPr>
+            <p:ph type="title"/>
+          </p:nvPr>
+        </p:nvSpPr>
+        <p:spPr>
+          <a:xfrm>
+            <a:off x="1660596" y="659969"/>
+            <a:ext cx="8911687" cy="1280890"/>
+          </a:xfrm>
+        </p:spPr>
+        <p:txBody>
+          <a:bodyPr/>
+          <a:lstStyle/>
+          <a:p>
+            <a:r>
+              <a:rPr lang="pt-BR" b="1" u="sng" dirty="0"/>
+              <a:t>Folhas de Estilos</a:t>
+            </a:r>
+          </a:p>
+        </p:txBody>
+      </p:sp>
+      <p:sp>
+        <p:nvSpPr>
+          <p:cNvPr id="3" name="Espaço Reservado para Conteúdo 2"/>
+          <p:cNvSpPr>
+            <a:spLocks noGrp="1"/>
+          </p:cNvSpPr>
+          <p:nvPr>
+            <p:ph idx="1"/>
+          </p:nvPr>
+        </p:nvSpPr>
+        <p:spPr>
+          <a:xfrm>
+            <a:off x="645460" y="1488141"/>
+            <a:ext cx="11259670" cy="4930588"/>
+          </a:xfrm>
+        </p:spPr>
+        <p:txBody>
+          <a:bodyPr>
+            <a:normAutofit/>
+          </a:bodyPr>
+          <a:lstStyle/>
+          <a:p>
+            <a:pPr lvl="1" algn="just">
+              <a:buFont typeface="Wingdings" panose="05000000000000000000" pitchFamily="2" charset="2"/>
+              <a:buChar char="§"/>
+            </a:pPr>
+            <a:r>
+              <a:rPr lang="pt-BR" sz="2800" dirty="0"/>
+              <a:t>Responsável por definir estilos em páginas HTML</a:t>
+            </a:r>
+          </a:p>
+          <a:p>
+            <a:pPr lvl="1" algn="just">
+              <a:buFont typeface="Wingdings" panose="05000000000000000000" pitchFamily="2" charset="2"/>
+              <a:buChar char="§"/>
+            </a:pPr>
+            <a:r>
+              <a:rPr lang="pt-BR" sz="2800" dirty="0"/>
+              <a:t>Alterações de estilo são feitas sem alteração do código</a:t>
+            </a:r>
+          </a:p>
+          <a:p>
+            <a:pPr lvl="1" algn="just">
+              <a:buFont typeface="Wingdings" panose="05000000000000000000" pitchFamily="2" charset="2"/>
+              <a:buChar char="§"/>
+            </a:pPr>
+            <a:r>
+              <a:rPr lang="pt-BR" sz="2800" dirty="0"/>
+              <a:t>A combinação de HTML (estrutura) e CSS (layout) representa o </a:t>
+            </a:r>
+            <a:r>
+              <a:rPr lang="pt-BR" sz="2800" i="1" dirty="0"/>
+              <a:t>Estado da arte </a:t>
+            </a:r>
+            <a:r>
+              <a:rPr lang="pt-BR" sz="2800" dirty="0"/>
+              <a:t>do </a:t>
+            </a:r>
+            <a:r>
+              <a:rPr lang="pt-BR" sz="2800" dirty="0" err="1"/>
+              <a:t>WebDesign</a:t>
+            </a:r>
+            <a:endParaRPr lang="pt-BR" sz="2800" dirty="0"/>
+          </a:p>
+          <a:p>
+            <a:pPr lvl="1" algn="just">
+              <a:buFont typeface="Wingdings" panose="05000000000000000000" pitchFamily="2" charset="2"/>
+              <a:buChar char="§"/>
+            </a:pPr>
+            <a:r>
+              <a:rPr lang="pt-BR" sz="2800" dirty="0"/>
+              <a:t>Aplicações em texto, imagens, vídeos, ou qualquer outro elemento</a:t>
+            </a:r>
+          </a:p>
+          <a:p>
+            <a:pPr lvl="1" algn="just">
+              <a:buFont typeface="Wingdings" panose="05000000000000000000" pitchFamily="2" charset="2"/>
+              <a:buChar char="§"/>
+            </a:pPr>
+            <a:r>
+              <a:rPr lang="pt-BR" sz="2800" dirty="0"/>
+              <a:t>Formata algumas características básicas: cores, background, características de </a:t>
+            </a:r>
+            <a:r>
+              <a:rPr lang="pt-BR" sz="2800" dirty="0" err="1"/>
+              <a:t>font</a:t>
+            </a:r>
+            <a:r>
+              <a:rPr lang="pt-BR" sz="2800" dirty="0"/>
+              <a:t>, </a:t>
+            </a:r>
+            <a:r>
+              <a:rPr lang="pt-BR" sz="2800" dirty="0" err="1"/>
+              <a:t>margins</a:t>
+            </a:r>
+            <a:r>
+              <a:rPr lang="pt-BR" sz="2800" dirty="0"/>
+              <a:t>, </a:t>
+            </a:r>
+            <a:r>
+              <a:rPr lang="pt-BR" sz="2800" dirty="0" err="1"/>
+              <a:t>paddings</a:t>
+            </a:r>
+            <a:r>
+              <a:rPr lang="pt-BR" sz="2800" dirty="0"/>
+              <a:t>, posição </a:t>
+            </a:r>
+          </a:p>
+        </p:txBody>
+      </p:sp>
+    </p:spTree>
+    <p:extLst>
+      <p:ext uri="{BB962C8B-B14F-4D97-AF65-F5344CB8AC3E}">
+        <p14:creationId xmlns:p14="http://schemas.microsoft.com/office/powerpoint/2010/main" val="1971746471"/>
+      </p:ext>
+    </p:extLst>
+  </p:cSld>
+  <p:clrMapOvr>
+    <a:masterClrMapping/>
+  </p:clrMapOvr>
+</p:sld>
+</file>
+
 <file path=ppt/slides/slide4.xml><?xml version="1.0" encoding="utf-8"?>
 <p:sld xmlns:a="http://schemas.openxmlformats.org/drawingml/2006/main" xmlns:r="http://schemas.openxmlformats.org/officeDocument/2006/relationships" xmlns:p="http://schemas.openxmlformats.org/presentationml/2006/main">
   <p:cSld>
@@ -15054,6 +15275,129 @@
 </file>
 
 <file path=ppt/slides/slide5.xml><?xml version="1.0" encoding="utf-8"?>
+<p:sld xmlns:a="http://schemas.openxmlformats.org/drawingml/2006/main" xmlns:r="http://schemas.openxmlformats.org/officeDocument/2006/relationships" xmlns:p="http://schemas.openxmlformats.org/presentationml/2006/main">
+  <p:cSld>
+    <p:spTree>
+      <p:nvGrpSpPr>
+        <p:cNvPr id="1" name=""/>
+        <p:cNvGrpSpPr/>
+        <p:nvPr/>
+      </p:nvGrpSpPr>
+      <p:grpSpPr>
+        <a:xfrm>
+          <a:off x="0" y="0"/>
+          <a:ext cx="0" cy="0"/>
+          <a:chOff x="0" y="0"/>
+          <a:chExt cx="0" cy="0"/>
+        </a:xfrm>
+      </p:grpSpPr>
+      <p:sp>
+        <p:nvSpPr>
+          <p:cNvPr id="6" name="Título 1"/>
+          <p:cNvSpPr>
+            <a:spLocks noGrp="1"/>
+          </p:cNvSpPr>
+          <p:nvPr>
+            <p:ph type="title"/>
+          </p:nvPr>
+        </p:nvSpPr>
+        <p:spPr>
+          <a:xfrm>
+            <a:off x="1660596" y="659969"/>
+            <a:ext cx="8911687" cy="1280890"/>
+          </a:xfrm>
+        </p:spPr>
+        <p:txBody>
+          <a:bodyPr/>
+          <a:lstStyle/>
+          <a:p>
+            <a:r>
+              <a:rPr lang="pt-BR" b="1" u="sng" dirty="0"/>
+              <a:t>Folhas de Estilos</a:t>
+            </a:r>
+          </a:p>
+        </p:txBody>
+      </p:sp>
+      <p:sp>
+        <p:nvSpPr>
+          <p:cNvPr id="3" name="Espaço Reservado para Conteúdo 2"/>
+          <p:cNvSpPr>
+            <a:spLocks noGrp="1"/>
+          </p:cNvSpPr>
+          <p:nvPr>
+            <p:ph idx="1"/>
+          </p:nvPr>
+        </p:nvSpPr>
+        <p:spPr>
+          <a:xfrm>
+            <a:off x="645460" y="1488141"/>
+            <a:ext cx="11259670" cy="4930588"/>
+          </a:xfrm>
+        </p:spPr>
+        <p:txBody>
+          <a:bodyPr>
+            <a:normAutofit/>
+          </a:bodyPr>
+          <a:lstStyle/>
+          <a:p>
+            <a:pPr marL="457200" lvl="1" indent="0" algn="just">
+              <a:buNone/>
+            </a:pPr>
+            <a:r>
+              <a:rPr lang="pt-BR" sz="4000" dirty="0"/>
+              <a:t>As folhas de estilo podem ser divididas em três tipos:</a:t>
+            </a:r>
+          </a:p>
+          <a:p>
+            <a:pPr lvl="1" algn="just">
+              <a:buFont typeface="Wingdings" panose="05000000000000000000" pitchFamily="2" charset="2"/>
+              <a:buChar char="§"/>
+            </a:pPr>
+            <a:r>
+              <a:rPr lang="pt-BR" sz="4000" dirty="0" err="1"/>
+              <a:t>Inline</a:t>
+            </a:r>
+            <a:r>
+              <a:rPr lang="pt-BR" sz="4000" dirty="0"/>
+              <a:t>;</a:t>
+            </a:r>
+          </a:p>
+          <a:p>
+            <a:pPr lvl="1" algn="just">
+              <a:buFont typeface="Wingdings" panose="05000000000000000000" pitchFamily="2" charset="2"/>
+              <a:buChar char="§"/>
+            </a:pPr>
+            <a:r>
+              <a:rPr lang="pt-BR" sz="4000" dirty="0"/>
+              <a:t>Interna;</a:t>
+            </a:r>
+          </a:p>
+          <a:p>
+            <a:pPr lvl="1" algn="just">
+              <a:buFont typeface="Wingdings" panose="05000000000000000000" pitchFamily="2" charset="2"/>
+              <a:buChar char="§"/>
+            </a:pPr>
+            <a:r>
+              <a:rPr lang="pt-BR" sz="4000" dirty="0"/>
+              <a:t>Externa.</a:t>
+            </a:r>
+          </a:p>
+        </p:txBody>
+      </p:sp>
+    </p:spTree>
+    <p:extLst>
+      <p:ext uri="{BB962C8B-B14F-4D97-AF65-F5344CB8AC3E}">
+        <p14:creationId xmlns:p14="http://schemas.microsoft.com/office/powerpoint/2010/main" val="825892054"/>
+      </p:ext>
+    </p:extLst>
+  </p:cSld>
+  <p:clrMapOvr>
+    <a:masterClrMapping/>
+  </p:clrMapOvr>
+</p:sld>
+</file>
+
+<file path=ppt/slides/slide6.xml><?xml version="1.0" encoding="utf-8"?>
 <p:sld xmlns:a="http://schemas.openxmlformats.org/drawingml/2006/main" xmlns:r="http://schemas.openxmlformats.org/officeDocument/2006/relationships" xmlns:p="http://schemas.openxmlformats.org/presentationml/2006/main">
   <p:cSld>
     <p:spTree>
@@ -15139,7 +15483,7 @@
 </p:sld>
 </file>
 
-<file path=ppt/slides/slide6.xml><?xml version="1.0" encoding="utf-8"?>
+<file path=ppt/slides/slide7.xml><?xml version="1.0" encoding="utf-8"?>
 <p:sld xmlns:a="http://schemas.openxmlformats.org/drawingml/2006/main" xmlns:r="http://schemas.openxmlformats.org/officeDocument/2006/relationships" xmlns:p="http://schemas.openxmlformats.org/presentationml/2006/main">
   <p:cSld>
     <p:spTree>
@@ -15239,7 +15583,7 @@
 </p:sld>
 </file>
 
-<file path=ppt/slides/slide7.xml><?xml version="1.0" encoding="utf-8"?>
+<file path=ppt/slides/slide8.xml><?xml version="1.0" encoding="utf-8"?>
 <p:sld xmlns:a="http://schemas.openxmlformats.org/drawingml/2006/main" xmlns:r="http://schemas.openxmlformats.org/officeDocument/2006/relationships" xmlns:p="http://schemas.openxmlformats.org/presentationml/2006/main">
   <p:cSld>
     <p:spTree>
@@ -15905,7 +16249,7 @@
 </p:sld>
 </file>
 
-<file path=ppt/slides/slide8.xml><?xml version="1.0" encoding="utf-8"?>
+<file path=ppt/slides/slide9.xml><?xml version="1.0" encoding="utf-8"?>
 <p:sld xmlns:a="http://schemas.openxmlformats.org/drawingml/2006/main" xmlns:r="http://schemas.openxmlformats.org/officeDocument/2006/relationships" xmlns:p="http://schemas.openxmlformats.org/presentationml/2006/main">
   <p:cSld>
     <p:spTree>
@@ -16131,211 +16475,6 @@
     <p:extLst>
       <p:ext uri="{BB962C8B-B14F-4D97-AF65-F5344CB8AC3E}">
         <p14:creationId xmlns:p14="http://schemas.microsoft.com/office/powerpoint/2010/main" val="2394915838"/>
-      </p:ext>
-    </p:extLst>
-  </p:cSld>
-  <p:clrMapOvr>
-    <a:masterClrMapping/>
-  </p:clrMapOvr>
-</p:sld>
-</file>
-
-<file path=ppt/slides/slide9.xml><?xml version="1.0" encoding="utf-8"?>
-<p:sld xmlns:a="http://schemas.openxmlformats.org/drawingml/2006/main" xmlns:r="http://schemas.openxmlformats.org/officeDocument/2006/relationships" xmlns:p="http://schemas.openxmlformats.org/presentationml/2006/main">
-  <p:cSld>
-    <p:spTree>
-      <p:nvGrpSpPr>
-        <p:cNvPr id="1" name=""/>
-        <p:cNvGrpSpPr/>
-        <p:nvPr/>
-      </p:nvGrpSpPr>
-      <p:grpSpPr>
-        <a:xfrm>
-          <a:off x="0" y="0"/>
-          <a:ext cx="0" cy="0"/>
-          <a:chOff x="0" y="0"/>
-          <a:chExt cx="0" cy="0"/>
-        </a:xfrm>
-      </p:grpSpPr>
-      <p:sp>
-        <p:nvSpPr>
-          <p:cNvPr id="2" name="Título 1"/>
-          <p:cNvSpPr>
-            <a:spLocks noGrp="1"/>
-          </p:cNvSpPr>
-          <p:nvPr>
-            <p:ph type="title"/>
-          </p:nvPr>
-        </p:nvSpPr>
-        <p:spPr>
-          <a:xfrm>
-            <a:off x="1660596" y="659969"/>
-            <a:ext cx="8911687" cy="1280890"/>
-          </a:xfrm>
-        </p:spPr>
-        <p:txBody>
-          <a:bodyPr/>
-          <a:lstStyle/>
-          <a:p>
-            <a:r>
-              <a:rPr lang="pt-BR" b="1" u="sng" dirty="0"/>
-              <a:t>Folhas de Estilos</a:t>
-            </a:r>
-          </a:p>
-        </p:txBody>
-      </p:sp>
-      <p:sp>
-        <p:nvSpPr>
-          <p:cNvPr id="3" name="Espaço Reservado para Conteúdo 2"/>
-          <p:cNvSpPr>
-            <a:spLocks noGrp="1"/>
-          </p:cNvSpPr>
-          <p:nvPr>
-            <p:ph idx="1"/>
-          </p:nvPr>
-        </p:nvSpPr>
-        <p:spPr>
-          <a:xfrm>
-            <a:off x="645460" y="1488141"/>
-            <a:ext cx="11259670" cy="4930588"/>
-          </a:xfrm>
-        </p:spPr>
-        <p:txBody>
-          <a:bodyPr>
-            <a:normAutofit fontScale="92500" lnSpcReduction="20000"/>
-          </a:bodyPr>
-          <a:lstStyle/>
-          <a:p>
-            <a:pPr algn="just">
-              <a:buFont typeface="Wingdings" panose="05000000000000000000" pitchFamily="2" charset="2"/>
-              <a:buChar char="§"/>
-            </a:pPr>
-            <a:r>
-              <a:rPr lang="pt-BR" sz="3600" b="1" dirty="0"/>
-              <a:t>Transições e animações: </a:t>
-            </a:r>
-            <a:r>
-              <a:rPr lang="pt-BR" sz="3600" dirty="0"/>
-              <a:t>A propriedade </a:t>
-            </a:r>
-            <a:r>
-              <a:rPr lang="pt-BR" sz="3600" dirty="0" err="1"/>
-              <a:t>transition</a:t>
-            </a:r>
-            <a:r>
-              <a:rPr lang="pt-BR" sz="3600" dirty="0"/>
-              <a:t> é praticamente </a:t>
-            </a:r>
-            <a:r>
-              <a:rPr lang="pt-BR" sz="3600" dirty="0" err="1"/>
-              <a:t>auto-explicativa</a:t>
-            </a:r>
-            <a:r>
-              <a:rPr lang="pt-BR" sz="3600" dirty="0"/>
-              <a:t>. Sua sintaxe tão simples que talvez até dispense explicações mais elaboradas. Vamos começar com o código abaixo:</a:t>
-            </a:r>
-          </a:p>
-          <a:p>
-            <a:pPr marL="0" indent="0" algn="just">
-              <a:buNone/>
-            </a:pPr>
-            <a:r>
-              <a:rPr lang="pt-BR" sz="3600" dirty="0"/>
-              <a:t>Ex.: </a:t>
-            </a:r>
-          </a:p>
-          <a:p>
-            <a:pPr marL="2628900" lvl="6" indent="0">
-              <a:buNone/>
-            </a:pPr>
-            <a:r>
-              <a:rPr lang="pt-BR" sz="3900" dirty="0"/>
-              <a:t>a { </a:t>
-            </a:r>
-          </a:p>
-          <a:p>
-            <a:pPr marL="2628900" lvl="6" indent="0">
-              <a:buNone/>
-            </a:pPr>
-            <a:r>
-              <a:rPr lang="pt-BR" sz="3900" dirty="0"/>
-              <a:t>color: </a:t>
-            </a:r>
-            <a:r>
-              <a:rPr lang="pt-BR" sz="3900" dirty="0" err="1"/>
-              <a:t>white</a:t>
-            </a:r>
-            <a:r>
-              <a:rPr lang="pt-BR" sz="3900" dirty="0"/>
-              <a:t>; </a:t>
-            </a:r>
-          </a:p>
-          <a:p>
-            <a:pPr marL="2628900" lvl="6" indent="0">
-              <a:buNone/>
-            </a:pPr>
-            <a:r>
-              <a:rPr lang="pt-BR" sz="3900" dirty="0"/>
-              <a:t>background: </a:t>
-            </a:r>
-            <a:r>
-              <a:rPr lang="pt-BR" sz="3900" dirty="0" err="1"/>
-              <a:t>gray</a:t>
-            </a:r>
-            <a:r>
-              <a:rPr lang="pt-BR" sz="3900" dirty="0"/>
-              <a:t>;</a:t>
-            </a:r>
-          </a:p>
-          <a:p>
-            <a:pPr marL="2628900" lvl="6" indent="0">
-              <a:buNone/>
-            </a:pPr>
-            <a:r>
-              <a:rPr lang="pt-BR" sz="3900" dirty="0"/>
-              <a:t>}</a:t>
-            </a:r>
-          </a:p>
-        </p:txBody>
-      </p:sp>
-      <p:sp>
-        <p:nvSpPr>
-          <p:cNvPr id="4" name="Retângulo 3">
-            <a:extLst>
-              <a:ext uri="{FF2B5EF4-FFF2-40B4-BE49-F238E27FC236}">
-                <a16:creationId xmlns:a16="http://schemas.microsoft.com/office/drawing/2014/main" id="{29DA77B2-CDA8-4295-8D0B-94BE3B7BD920}"/>
-              </a:ext>
-            </a:extLst>
-          </p:cNvPr>
-          <p:cNvSpPr/>
-          <p:nvPr/>
-        </p:nvSpPr>
-        <p:spPr>
-          <a:xfrm>
-            <a:off x="1121664" y="5808810"/>
-            <a:ext cx="10783466" cy="954107"/>
-          </a:xfrm>
-          <a:prstGeom prst="rect">
-            <a:avLst/>
-          </a:prstGeom>
-        </p:spPr>
-        <p:txBody>
-          <a:bodyPr wrap="square">
-            <a:spAutoFit/>
-          </a:bodyPr>
-          <a:lstStyle/>
-          <a:p>
-            <a:r>
-              <a:rPr lang="pt-BR" sz="2800" dirty="0"/>
-              <a:t>No código definimos que o link terá sua cor de texto igual a preta e seu background será cinza</a:t>
-            </a:r>
-          </a:p>
-        </p:txBody>
-      </p:sp>
-    </p:spTree>
-    <p:extLst>
-      <p:ext uri="{BB962C8B-B14F-4D97-AF65-F5344CB8AC3E}">
-        <p14:creationId xmlns:p14="http://schemas.microsoft.com/office/powerpoint/2010/main" val="1476547861"/>
       </p:ext>
     </p:extLst>
   </p:cSld>
